--- a/inflearn05/doc/5(심화) SessionB 객체가 세션에 저장되는 과정.pptx
+++ b/inflearn05/doc/5(심화) SessionB 객체가 세션에 저장되는 과정.pptx
@@ -5,15 +5,16 @@
     <p:sldMasterId id="2147483648" r:id="rId1"/>
   </p:sldMasterIdLst>
   <p:notesMasterIdLst>
-    <p:notesMasterId r:id="rId5"/>
+    <p:notesMasterId r:id="rId6"/>
   </p:notesMasterIdLst>
   <p:handoutMasterIdLst>
-    <p:handoutMasterId r:id="rId6"/>
+    <p:handoutMasterId r:id="rId7"/>
   </p:handoutMasterIdLst>
   <p:sldIdLst>
     <p:sldId id="294" r:id="rId2"/>
     <p:sldId id="295" r:id="rId3"/>
-    <p:sldId id="296" r:id="rId4"/>
+    <p:sldId id="299" r:id="rId4"/>
+    <p:sldId id="296" r:id="rId5"/>
   </p:sldIdLst>
   <p:sldSz cx="12192000" cy="6858000"/>
   <p:notesSz cx="6858000" cy="9144000"/>
@@ -639,7 +640,7 @@
                 <a:latin typeface="맑은 고딕" panose="020B0503020000020004" pitchFamily="50" charset="-127"/>
                 <a:ea typeface="맑은 고딕" panose="020B0503020000020004" pitchFamily="50" charset="-127"/>
               </a:rPr>
-              <a:t>2021년 7월 16일</a:t>
+              <a:t>2021년 7월 25일</a:t>
             </a:fld>
             <a:endParaRPr lang="ko-KR" altLang="en-US">
               <a:latin typeface="맑은 고딕" panose="020B0503020000020004" pitchFamily="50" charset="-127"/>
@@ -825,7 +826,7 @@
             <a:fld id="{BE16EC8A-0758-4FA9-BF4D-3119057076D1}" type="datetime4">
               <a:rPr lang="ko-KR" altLang="en-US" smtClean="0"/>
               <a:pPr/>
-              <a:t>2021년 7월 16일</a:t>
+              <a:t>2021년 7월 25일</a:t>
             </a:fld>
             <a:endParaRPr lang="ko-KR" altLang="en-US"/>
           </a:p>
@@ -3307,7 +3308,7 @@
           <a:p>
             <a:fld id="{2A5B65E4-62A8-4988-B07B-5D6D443B14ED}" type="datetime4">
               <a:rPr lang="ko-KR" altLang="en-US" smtClean="0"/>
-              <a:t>2021년 7월 16일</a:t>
+              <a:t>2021년 7월 25일</a:t>
             </a:fld>
             <a:endParaRPr lang="ko-KR" altLang="en-US"/>
           </a:p>
@@ -3563,7 +3564,7 @@
           <a:p>
             <a:fld id="{58EB6286-0DE7-4336-9826-977AD102FCF2}" type="datetime4">
               <a:rPr lang="ko-KR" altLang="en-US" noProof="0" smtClean="0"/>
-              <a:t>2021년 7월 16일</a:t>
+              <a:t>2021년 7월 25일</a:t>
             </a:fld>
             <a:endParaRPr lang="ko-KR" altLang="en-US" noProof="0"/>
           </a:p>
@@ -3759,7 +3760,7 @@
             <a:pPr rtl="0"/>
             <a:fld id="{6A5419DA-7218-42E5-A443-F000500111E1}" type="datetime4">
               <a:rPr lang="ko-KR" altLang="en-US" noProof="0" smtClean="0"/>
-              <a:t>2021년 7월 16일</a:t>
+              <a:t>2021년 7월 25일</a:t>
             </a:fld>
             <a:endParaRPr lang="ko-KR" altLang="en-US" noProof="0"/>
           </a:p>
@@ -6160,7 +6161,7 @@
           <a:p>
             <a:fld id="{E498C52F-1DF1-4226-BAB6-C1E2EE4C9D62}" type="datetime4">
               <a:rPr lang="ko-KR" altLang="en-US" noProof="0" smtClean="0"/>
-              <a:t>2021년 7월 16일</a:t>
+              <a:t>2021년 7월 25일</a:t>
             </a:fld>
             <a:endParaRPr lang="ko-KR" altLang="en-US" noProof="0"/>
           </a:p>
@@ -6679,7 +6680,7 @@
           <a:p>
             <a:fld id="{7B1E1FFC-F755-4558-8D3C-A157D1A01A8A}" type="datetime4">
               <a:rPr lang="ko-KR" altLang="en-US" noProof="0" smtClean="0"/>
-              <a:t>2021년 7월 16일</a:t>
+              <a:t>2021년 7월 25일</a:t>
             </a:fld>
             <a:endParaRPr lang="ko-KR" altLang="en-US" noProof="0"/>
           </a:p>
@@ -6823,7 +6824,7 @@
             <a:pPr rtl="0"/>
             <a:fld id="{DA2A33C0-A4A8-4C90-B6DA-35B8CF58C816}" type="datetime4">
               <a:rPr lang="ko-KR" altLang="en-US" noProof="0" smtClean="0"/>
-              <a:t>2021년 7월 16일</a:t>
+              <a:t>2021년 7월 25일</a:t>
             </a:fld>
             <a:endParaRPr lang="ko-KR" altLang="en-US" noProof="0"/>
           </a:p>
@@ -8771,7 +8772,7 @@
           <a:p>
             <a:fld id="{53CB1B8F-A14A-4BE4-A9B9-3B263F04145C}" type="datetime4">
               <a:rPr lang="ko-KR" altLang="en-US" noProof="0" smtClean="0"/>
-              <a:t>2021년 7월 16일</a:t>
+              <a:t>2021년 7월 25일</a:t>
             </a:fld>
             <a:endParaRPr lang="ko-KR" altLang="en-US" noProof="0"/>
           </a:p>
@@ -11068,7 +11069,7 @@
           <a:p>
             <a:fld id="{5B9196A3-957C-4113-A568-B6ED9AEA3D01}" type="datetime4">
               <a:rPr lang="ko-KR" altLang="en-US" noProof="0" smtClean="0"/>
-              <a:t>2021년 7월 16일</a:t>
+              <a:t>2021년 7월 25일</a:t>
             </a:fld>
             <a:endParaRPr lang="ko-KR" altLang="en-US" noProof="0"/>
           </a:p>
@@ -15385,7 +15386,7 @@
           <a:p>
             <a:fld id="{28BEB146-D335-4DA5-9826-58595BCDBE2E}" type="datetime4">
               <a:rPr lang="ko-KR" altLang="en-US" noProof="0" smtClean="0"/>
-              <a:t>2021년 7월 16일</a:t>
+              <a:t>2021년 7월 25일</a:t>
             </a:fld>
             <a:endParaRPr lang="ko-KR" altLang="en-US" noProof="0"/>
           </a:p>
@@ -15871,7 +15872,15 @@
             </a:r>
             <a:r>
               <a:rPr lang="ko-KR" altLang="en-US"/>
-              <a:t>가 세션에 저장되는 시점</a:t>
+              <a:t>객체가 </a:t>
+            </a:r>
+            <a:r>
+              <a:rPr lang="en-US" altLang="ko-KR"/>
+              <a:t>WAS</a:t>
+            </a:r>
+            <a:r>
+              <a:rPr lang="ko-KR" altLang="en-US"/>
+              <a:t>의 세션에 저장되는 과정</a:t>
             </a:r>
             <a:endParaRPr lang="ko-KR" altLang="en-US" dirty="0"/>
           </a:p>
@@ -15938,7 +15947,39 @@
                   <a:srgbClr val="FF0000"/>
                 </a:solidFill>
               </a:rPr>
-              <a:t>객체도 처음 접속 시점에 생성</a:t>
+              <a:t>객체는 브라우저가 </a:t>
+            </a:r>
+            <a:r>
+              <a:rPr lang="en-US" altLang="ko-KR">
+                <a:solidFill>
+                  <a:srgbClr val="FF0000"/>
+                </a:solidFill>
+              </a:rPr>
+              <a:t>WAS </a:t>
+            </a:r>
+            <a:r>
+              <a:rPr lang="ko-KR" altLang="en-US">
+                <a:solidFill>
+                  <a:srgbClr val="FF0000"/>
+                </a:solidFill>
+              </a:rPr>
+              <a:t>에 처음 접속할때 생성</a:t>
+            </a:r>
+            <a:endParaRPr lang="en-US" altLang="ko-KR">
+              <a:solidFill>
+                <a:srgbClr val="FF0000"/>
+              </a:solidFill>
+            </a:endParaRPr>
+          </a:p>
+          <a:p>
+            <a:pPr lvl="2"/>
+            <a:r>
+              <a:rPr lang="ko-KR" altLang="en-US">
+                <a:solidFill>
+                  <a:srgbClr val="FF0000"/>
+                </a:solidFill>
+              </a:rPr>
+              <a:t>로그인 시점이 아님</a:t>
             </a:r>
             <a:endParaRPr lang="en-US" altLang="ko-KR" dirty="0">
               <a:solidFill>
@@ -15965,7 +16006,7 @@
         </p:nvSpPr>
         <p:spPr>
           <a:xfrm>
-            <a:off x="1695080" y="2991995"/>
+            <a:off x="1737314" y="3484136"/>
             <a:ext cx="1521525" cy="432843"/>
           </a:xfrm>
           <a:prstGeom prst="rect">
@@ -16015,7 +16056,7 @@
         </p:nvSpPr>
         <p:spPr>
           <a:xfrm>
-            <a:off x="5241509" y="2996157"/>
+            <a:off x="5283743" y="3488298"/>
             <a:ext cx="1521525" cy="432843"/>
           </a:xfrm>
           <a:prstGeom prst="rect">
@@ -16065,7 +16106,7 @@
         </p:nvCxnSpPr>
         <p:spPr>
           <a:xfrm>
-            <a:off x="2455843" y="3520243"/>
+            <a:off x="2498077" y="4012384"/>
             <a:ext cx="0" cy="2148065"/>
           </a:xfrm>
           <a:prstGeom prst="line">
@@ -16101,7 +16142,7 @@
         </p:nvCxnSpPr>
         <p:spPr>
           <a:xfrm>
-            <a:off x="6053766" y="3485957"/>
+            <a:off x="6096000" y="3978098"/>
             <a:ext cx="0" cy="2148065"/>
           </a:xfrm>
           <a:prstGeom prst="line">
@@ -16137,7 +16178,7 @@
         </p:nvCxnSpPr>
         <p:spPr>
           <a:xfrm>
-            <a:off x="2605817" y="3788154"/>
+            <a:off x="2648051" y="4280295"/>
             <a:ext cx="3329614" cy="0"/>
           </a:xfrm>
           <a:prstGeom prst="straightConnector1">
@@ -16176,7 +16217,7 @@
         </p:nvCxnSpPr>
         <p:spPr>
           <a:xfrm>
-            <a:off x="2605816" y="5074282"/>
+            <a:off x="2648050" y="5566423"/>
             <a:ext cx="3329614" cy="0"/>
           </a:xfrm>
           <a:prstGeom prst="straightConnector1">
@@ -16217,7 +16258,7 @@
         </p:nvCxnSpPr>
         <p:spPr>
           <a:xfrm flipH="1">
-            <a:off x="2605817" y="4397746"/>
+            <a:off x="2648051" y="4889887"/>
             <a:ext cx="3329613" cy="0"/>
           </a:xfrm>
           <a:prstGeom prst="straightConnector1">
@@ -16256,7 +16297,7 @@
         </p:nvSpPr>
         <p:spPr>
           <a:xfrm>
-            <a:off x="6138235" y="3662229"/>
+            <a:off x="6180469" y="4154370"/>
             <a:ext cx="1641796" cy="307777"/>
           </a:xfrm>
           <a:prstGeom prst="rect">
@@ -16295,7 +16336,7 @@
         </p:nvSpPr>
         <p:spPr>
           <a:xfrm>
-            <a:off x="6103297" y="4243285"/>
+            <a:off x="6145531" y="4735426"/>
             <a:ext cx="1641796" cy="307777"/>
           </a:xfrm>
           <a:prstGeom prst="rect">
@@ -16334,7 +16375,7 @@
         </p:nvSpPr>
         <p:spPr>
           <a:xfrm>
-            <a:off x="6096000" y="4896108"/>
+            <a:off x="6138234" y="5388249"/>
             <a:ext cx="1641796" cy="307777"/>
           </a:xfrm>
           <a:prstGeom prst="rect">
@@ -16373,8 +16414,8 @@
         </p:nvSpPr>
         <p:spPr>
           <a:xfrm>
-            <a:off x="1245870" y="4551062"/>
-            <a:ext cx="1619142" cy="523220"/>
+            <a:off x="415677" y="5112779"/>
+            <a:ext cx="2186682" cy="307777"/>
           </a:xfrm>
           <a:prstGeom prst="rect">
             <a:avLst/>
@@ -16395,6 +16436,19 @@
               <a:rPr lang="ko-KR" altLang="en-US" sz="1400"/>
               <a:t>저장</a:t>
             </a:r>
+            <a:r>
+              <a:rPr lang="en-US" altLang="ko-KR" sz="1400"/>
+              <a:t>(</a:t>
+            </a:r>
+            <a:r>
+              <a:rPr lang="ko-KR" altLang="en-US" sz="1400"/>
+              <a:t>쿠키</a:t>
+            </a:r>
+            <a:r>
+              <a:rPr lang="en-US" altLang="ko-KR" sz="1400"/>
+              <a:t>)</a:t>
+            </a:r>
+            <a:endParaRPr lang="ko-KR" altLang="en-US" sz="1400"/>
           </a:p>
         </p:txBody>
       </p:sp>
@@ -16412,8 +16466,8 @@
         </p:nvSpPr>
         <p:spPr>
           <a:xfrm>
-            <a:off x="8179189" y="3634265"/>
-            <a:ext cx="2717411" cy="307777"/>
+            <a:off x="8221423" y="4126406"/>
+            <a:ext cx="2627642" cy="307777"/>
           </a:xfrm>
           <a:prstGeom prst="rect">
             <a:avLst/>
@@ -16427,8 +16481,20 @@
           <a:lstStyle/>
           <a:p>
             <a:r>
+              <a:rPr lang="en-US" altLang="ko-KR" sz="1400"/>
+              <a:t>SessionB </a:t>
+            </a:r>
+            <a:r>
               <a:rPr lang="ko-KR" altLang="en-US" sz="1400"/>
-              <a:t>인증객체를 생성 후 세션에 저장</a:t>
+              <a:t>객체 생성</a:t>
+            </a:r>
+            <a:r>
+              <a:rPr lang="en-US" altLang="ko-KR" sz="1400"/>
+              <a:t>, </a:t>
+            </a:r>
+            <a:r>
+              <a:rPr lang="ko-KR" altLang="en-US" sz="1400"/>
+              <a:t>세션 저장</a:t>
             </a:r>
           </a:p>
         </p:txBody>
@@ -16447,8 +16513,8 @@
         </p:nvSpPr>
         <p:spPr>
           <a:xfrm>
-            <a:off x="8179189" y="4896108"/>
-            <a:ext cx="2667718" cy="307777"/>
+            <a:off x="8221423" y="5388249"/>
+            <a:ext cx="2757486" cy="307777"/>
           </a:xfrm>
           <a:prstGeom prst="rect">
             <a:avLst/>
@@ -16463,7 +16529,15 @@
           <a:p>
             <a:r>
               <a:rPr lang="ko-KR" altLang="en-US" sz="1400"/>
-              <a:t>세션영역에 있는 인증객체 사용</a:t>
+              <a:t>세션에 있는 </a:t>
+            </a:r>
+            <a:r>
+              <a:rPr lang="en-US" altLang="ko-KR" sz="1400"/>
+              <a:t>SessionB </a:t>
+            </a:r>
+            <a:r>
+              <a:rPr lang="ko-KR" altLang="en-US" sz="1400"/>
+              <a:t>객체 사용</a:t>
             </a:r>
           </a:p>
         </p:txBody>
@@ -16537,7 +16611,15 @@
             </a:r>
             <a:r>
               <a:rPr lang="ko-KR" altLang="en-US"/>
-              <a:t>가 세션에 저장되는 시점</a:t>
+              <a:t>객체가 </a:t>
+            </a:r>
+            <a:r>
+              <a:rPr lang="en-US" altLang="ko-KR"/>
+              <a:t>WAS</a:t>
+            </a:r>
+            <a:r>
+              <a:rPr lang="ko-KR" altLang="en-US"/>
+              <a:t>의 세션에 저장되는 과정</a:t>
             </a:r>
           </a:p>
         </p:txBody>
@@ -16565,46 +16647,27 @@
           <a:p>
             <a:r>
               <a:rPr lang="ko-KR" altLang="en-US"/>
-              <a:t>두번째 접속할때 동일한 </a:t>
+              <a:t>브라우저가 처음 </a:t>
             </a:r>
             <a:r>
               <a:rPr lang="en-US" altLang="ko-KR"/>
-              <a:t>SessoinB </a:t>
+              <a:t>WAS </a:t>
             </a:r>
             <a:r>
               <a:rPr lang="ko-KR" altLang="en-US"/>
-              <a:t>객체 사용</a:t>
+              <a:t>에 처음 접속할때 사용자는 구분되어 있음</a:t>
             </a:r>
             <a:endParaRPr lang="en-US" altLang="ko-KR"/>
           </a:p>
           <a:p>
-            <a:pPr lvl="2"/>
+            <a:pPr lvl="1"/>
             <a:r>
               <a:rPr lang="ko-KR" altLang="en-US">
                 <a:solidFill>
                   <a:srgbClr val="FF0000"/>
                 </a:solidFill>
               </a:rPr>
-              <a:t>로그인 시 </a:t>
-            </a:r>
-            <a:r>
-              <a:rPr lang="en-US" altLang="ko-KR">
-                <a:solidFill>
-                  <a:srgbClr val="FF0000"/>
-                </a:solidFill>
-              </a:rPr>
-              <a:t>SessionB.isLogin() = true</a:t>
-            </a:r>
-          </a:p>
-          <a:p>
-            <a:pPr lvl="2"/>
-            <a:r>
-              <a:rPr lang="ko-KR" altLang="en-US">
-                <a:solidFill>
-                  <a:srgbClr val="FF0000"/>
-                </a:solidFill>
-              </a:rPr>
-              <a:t>인증객체의 일관성을 위해</a:t>
+              <a:t>프로그램을 쉽게 하기 위해</a:t>
             </a:r>
             <a:endParaRPr lang="en-US" altLang="ko-KR">
               <a:solidFill>
@@ -16613,36 +16676,35 @@
             </a:endParaRPr>
           </a:p>
           <a:p>
-            <a:pPr lvl="3"/>
+            <a:pPr lvl="2"/>
             <a:r>
-              <a:rPr lang="ko-KR" altLang="en-US">
-                <a:solidFill>
-                  <a:srgbClr val="FF0000"/>
-                </a:solidFill>
-              </a:rPr>
-              <a:t>로그인을 하지 않은 사용자를 </a:t>
-            </a:r>
-            <a:r>
-              <a:rPr lang="en-US" altLang="ko-KR">
-                <a:solidFill>
-                  <a:srgbClr val="FF0000"/>
-                </a:solidFill>
-              </a:rPr>
+              <a:rPr lang="en-US" altLang="ko-KR"/>
               <a:t>null </a:t>
             </a:r>
             <a:r>
-              <a:rPr lang="ko-KR" altLang="en-US">
-                <a:solidFill>
-                  <a:srgbClr val="FF0000"/>
-                </a:solidFill>
-              </a:rPr>
-              <a:t>로 구분하지 않음</a:t>
+              <a:rPr lang="ko-KR" altLang="en-US"/>
+              <a:t>문제 해결</a:t>
             </a:r>
-            <a:endParaRPr lang="en-US" altLang="ko-KR">
-              <a:solidFill>
-                <a:srgbClr val="FF0000"/>
-              </a:solidFill>
-            </a:endParaRPr>
+            <a:r>
+              <a:rPr lang="en-US" altLang="ko-KR"/>
+              <a:t>, sessionB.isLogin()</a:t>
+            </a:r>
+          </a:p>
+          <a:p>
+            <a:pPr lvl="2"/>
+            <a:r>
+              <a:rPr lang="ko-KR" altLang="en-US"/>
+              <a:t>로그인을 안한 사용자도 접근제어 정책 사용</a:t>
+            </a:r>
+            <a:r>
+              <a:rPr lang="en-US" altLang="ko-KR"/>
+              <a:t>, </a:t>
+            </a:r>
+            <a:r>
+              <a:rPr lang="ko-KR" altLang="en-US"/>
+              <a:t>토큰기능</a:t>
+            </a:r>
+            <a:endParaRPr lang="en-US" altLang="ko-KR"/>
           </a:p>
         </p:txBody>
       </p:sp>
@@ -16668,7 +16730,7 @@
         </p:blipFill>
         <p:spPr>
           <a:xfrm>
-            <a:off x="1784121" y="3623001"/>
+            <a:off x="1777542" y="3530904"/>
             <a:ext cx="4402621" cy="2503162"/>
           </a:xfrm>
           <a:prstGeom prst="rect">
@@ -16698,7 +16760,7 @@
         </p:blipFill>
         <p:spPr>
           <a:xfrm>
-            <a:off x="6833686" y="3553200"/>
+            <a:off x="6774480" y="3530904"/>
             <a:ext cx="3019846" cy="1257475"/>
           </a:xfrm>
           <a:prstGeom prst="rect">
@@ -16775,7 +16837,15 @@
             </a:r>
             <a:r>
               <a:rPr lang="ko-KR" altLang="en-US"/>
-              <a:t>가 세션에 저장되는 과정</a:t>
+              <a:t>객체가 </a:t>
+            </a:r>
+            <a:r>
+              <a:rPr lang="en-US" altLang="ko-KR"/>
+              <a:t>WAS</a:t>
+            </a:r>
+            <a:r>
+              <a:rPr lang="ko-KR" altLang="en-US"/>
+              <a:t>의 세션에 저장되는 과정</a:t>
             </a:r>
           </a:p>
         </p:txBody>
@@ -16803,19 +16873,47 @@
           <a:p>
             <a:r>
               <a:rPr lang="en-US" altLang="ko-KR"/>
-              <a:t>implements Serializable </a:t>
+              <a:t>SessionB </a:t>
             </a:r>
             <a:r>
               <a:rPr lang="ko-KR" altLang="en-US"/>
-              <a:t>를</a:t>
+              <a:t>객체가 </a:t>
             </a:r>
             <a:r>
               <a:rPr lang="en-US" altLang="ko-KR"/>
-              <a:t> </a:t>
+              <a:t>WAS </a:t>
             </a:r>
             <a:r>
               <a:rPr lang="ko-KR" altLang="en-US"/>
-              <a:t>반드시 해야 함</a:t>
+              <a:t>의 세션에 저장되는 과정</a:t>
+            </a:r>
+            <a:endParaRPr lang="en-US" altLang="ko-KR"/>
+          </a:p>
+          <a:p>
+            <a:pPr lvl="1"/>
+            <a:r>
+              <a:rPr lang="ko-KR" altLang="en-US"/>
+              <a:t>세션에 객체 저장하고 꺼내오는건 비용이 큼</a:t>
+            </a:r>
+            <a:endParaRPr lang="en-US" altLang="ko-KR"/>
+          </a:p>
+          <a:p>
+            <a:pPr lvl="1"/>
+            <a:r>
+              <a:rPr lang="ko-KR" altLang="en-US"/>
+              <a:t>프레임워크 기능으로 제공</a:t>
+            </a:r>
+            <a:endParaRPr lang="en-US" altLang="ko-KR"/>
+          </a:p>
+          <a:p>
+            <a:pPr lvl="2"/>
+            <a:r>
+              <a:rPr lang="ko-KR" altLang="en-US">
+                <a:solidFill>
+                  <a:srgbClr val="FF0000"/>
+                </a:solidFill>
+              </a:rPr>
+              <a:t>기능 사용을 최소화 하도록 유도</a:t>
             </a:r>
             <a:endParaRPr lang="en-US" altLang="ko-KR">
               <a:solidFill>
@@ -16825,12 +16923,339 @@
           </a:p>
         </p:txBody>
       </p:sp>
+      <p:pic>
+        <p:nvPicPr>
+          <p:cNvPr id="17" name="그림 16">
+            <a:extLst>
+              <a:ext uri="{FF2B5EF4-FFF2-40B4-BE49-F238E27FC236}">
+                <a16:creationId xmlns:a16="http://schemas.microsoft.com/office/drawing/2014/main" id="{EF0D7159-30BA-4079-B2FA-6DCE2EF19B55}"/>
+              </a:ext>
+            </a:extLst>
+          </p:cNvPr>
+          <p:cNvPicPr>
+            <a:picLocks noChangeAspect="1"/>
+          </p:cNvPicPr>
+          <p:nvPr/>
+        </p:nvPicPr>
+        <p:blipFill>
+          <a:blip r:embed="rId2"/>
+          <a:stretch>
+            <a:fillRect/>
+          </a:stretch>
+        </p:blipFill>
+        <p:spPr>
+          <a:xfrm>
+            <a:off x="1777542" y="3530904"/>
+            <a:ext cx="4402621" cy="2503162"/>
+          </a:xfrm>
+          <a:prstGeom prst="rect">
+            <a:avLst/>
+          </a:prstGeom>
+        </p:spPr>
+      </p:pic>
+      <p:pic>
+        <p:nvPicPr>
+          <p:cNvPr id="18" name="그림 17">
+            <a:extLst>
+              <a:ext uri="{FF2B5EF4-FFF2-40B4-BE49-F238E27FC236}">
+                <a16:creationId xmlns:a16="http://schemas.microsoft.com/office/drawing/2014/main" id="{D585246F-A995-45DD-ABC2-5A9EE2AFE903}"/>
+              </a:ext>
+            </a:extLst>
+          </p:cNvPr>
+          <p:cNvPicPr>
+            <a:picLocks noChangeAspect="1"/>
+          </p:cNvPicPr>
+          <p:nvPr/>
+        </p:nvPicPr>
+        <p:blipFill>
+          <a:blip r:embed="rId3"/>
+          <a:stretch>
+            <a:fillRect/>
+          </a:stretch>
+        </p:blipFill>
+        <p:spPr>
+          <a:xfrm>
+            <a:off x="6774480" y="3530904"/>
+            <a:ext cx="3019846" cy="1257475"/>
+          </a:xfrm>
+          <a:prstGeom prst="rect">
+            <a:avLst/>
+          </a:prstGeom>
+        </p:spPr>
+      </p:pic>
+    </p:spTree>
+    <p:extLst>
+      <p:ext uri="{BB962C8B-B14F-4D97-AF65-F5344CB8AC3E}">
+        <p14:creationId xmlns:p14="http://schemas.microsoft.com/office/powerpoint/2010/main" val="2105680611"/>
+      </p:ext>
+    </p:extLst>
+  </p:cSld>
+  <p:clrMapOvr>
+    <a:masterClrMapping/>
+  </p:clrMapOvr>
+  <mc:AlternateContent xmlns:mc="http://schemas.openxmlformats.org/markup-compatibility/2006" xmlns:p14="http://schemas.microsoft.com/office/powerpoint/2010/main">
+    <mc:Choice Requires="p14">
+      <p:transition spd="med" p14:dur="700">
+        <p:fade/>
+      </p:transition>
+    </mc:Choice>
+    <mc:Fallback xmlns="">
+      <p:transition spd="med">
+        <p:fade/>
+      </p:transition>
+    </mc:Fallback>
+  </mc:AlternateContent>
+</p:sld>
+</file>
+
+<file path=ppt/slides/slide4.xml><?xml version="1.0" encoding="utf-8"?>
+<p:sld xmlns:a="http://schemas.openxmlformats.org/drawingml/2006/main" xmlns:r="http://schemas.openxmlformats.org/officeDocument/2006/relationships" xmlns:p="http://schemas.openxmlformats.org/presentationml/2006/main">
+  <p:cSld>
+    <p:spTree>
+      <p:nvGrpSpPr>
+        <p:cNvPr id="1" name=""/>
+        <p:cNvGrpSpPr/>
+        <p:nvPr/>
+      </p:nvGrpSpPr>
+      <p:grpSpPr>
+        <a:xfrm>
+          <a:off x="0" y="0"/>
+          <a:ext cx="0" cy="0"/>
+          <a:chOff x="0" y="0"/>
+          <a:chExt cx="0" cy="0"/>
+        </a:xfrm>
+      </p:grpSpPr>
       <p:sp>
         <p:nvSpPr>
-          <p:cNvPr id="6" name="직사각형 5">
+          <p:cNvPr id="2" name="제목 1">
             <a:extLst>
               <a:ext uri="{FF2B5EF4-FFF2-40B4-BE49-F238E27FC236}">
-                <a16:creationId xmlns:a16="http://schemas.microsoft.com/office/drawing/2014/main" id="{3ACD50D5-172A-4D84-BC39-98949E3A22FE}"/>
+                <a16:creationId xmlns:a16="http://schemas.microsoft.com/office/drawing/2014/main" id="{BF11FE07-A545-4608-85B1-0D75B5EE81C1}"/>
+              </a:ext>
+            </a:extLst>
+          </p:cNvPr>
+          <p:cNvSpPr>
+            <a:spLocks noGrp="1"/>
+          </p:cNvSpPr>
+          <p:nvPr>
+            <p:ph type="title"/>
+          </p:nvPr>
+        </p:nvSpPr>
+        <p:spPr/>
+        <p:txBody>
+          <a:bodyPr/>
+          <a:lstStyle/>
+          <a:p>
+            <a:r>
+              <a:rPr lang="en-US" altLang="ko-KR"/>
+              <a:t>SessionB </a:t>
+            </a:r>
+            <a:r>
+              <a:rPr lang="ko-KR" altLang="en-US"/>
+              <a:t>객체가 </a:t>
+            </a:r>
+            <a:r>
+              <a:rPr lang="en-US" altLang="ko-KR"/>
+              <a:t>WAS</a:t>
+            </a:r>
+            <a:r>
+              <a:rPr lang="ko-KR" altLang="en-US"/>
+              <a:t>의 세션에 저장되는 과정</a:t>
+            </a:r>
+          </a:p>
+        </p:txBody>
+      </p:sp>
+      <p:sp>
+        <p:nvSpPr>
+          <p:cNvPr id="3" name="내용 개체 틀 2">
+            <a:extLst>
+              <a:ext uri="{FF2B5EF4-FFF2-40B4-BE49-F238E27FC236}">
+                <a16:creationId xmlns:a16="http://schemas.microsoft.com/office/drawing/2014/main" id="{A945968C-7AF6-426E-AB4F-B70F4DB518BB}"/>
+              </a:ext>
+            </a:extLst>
+          </p:cNvPr>
+          <p:cNvSpPr>
+            <a:spLocks noGrp="1"/>
+          </p:cNvSpPr>
+          <p:nvPr>
+            <p:ph idx="1"/>
+          </p:nvPr>
+        </p:nvSpPr>
+        <p:spPr/>
+        <p:txBody>
+          <a:bodyPr/>
+          <a:lstStyle/>
+          <a:p>
+            <a:r>
+              <a:rPr lang="en-US" altLang="ko-KR"/>
+              <a:t>SessionB </a:t>
+            </a:r>
+            <a:r>
+              <a:rPr lang="ko-KR" altLang="en-US"/>
+              <a:t>객체가 </a:t>
+            </a:r>
+            <a:r>
+              <a:rPr lang="en-US" altLang="ko-KR"/>
+              <a:t>WAS </a:t>
+            </a:r>
+            <a:r>
+              <a:rPr lang="ko-KR" altLang="en-US"/>
+              <a:t>의 세션에 저장되는 과정</a:t>
+            </a:r>
+            <a:endParaRPr lang="en-US" altLang="ko-KR"/>
+          </a:p>
+          <a:p>
+            <a:pPr lvl="1"/>
+            <a:r>
+              <a:rPr lang="ko-KR" altLang="en-US"/>
+              <a:t>세션에 객체 저장</a:t>
+            </a:r>
+            <a:endParaRPr lang="en-US" altLang="ko-KR"/>
+          </a:p>
+          <a:p>
+            <a:pPr lvl="2"/>
+            <a:r>
+              <a:rPr lang="ko-KR" altLang="en-US"/>
+              <a:t>객체 </a:t>
+            </a:r>
+            <a:r>
+              <a:rPr lang="en-US" altLang="ko-KR"/>
+              <a:t>-&gt; </a:t>
+            </a:r>
+            <a:r>
+              <a:rPr lang="ko-KR" altLang="en-US"/>
+              <a:t>직렬화 </a:t>
+            </a:r>
+            <a:r>
+              <a:rPr lang="en-US" altLang="ko-KR"/>
+              <a:t>-&gt; </a:t>
+            </a:r>
+            <a:r>
+              <a:rPr lang="ko-KR" altLang="en-US"/>
+              <a:t>전송 </a:t>
+            </a:r>
+            <a:r>
+              <a:rPr lang="en-US" altLang="ko-KR"/>
+              <a:t>-&gt; </a:t>
+            </a:r>
+            <a:r>
+              <a:rPr lang="ko-KR" altLang="en-US"/>
+              <a:t>보관</a:t>
+            </a:r>
+            <a:endParaRPr lang="en-US" altLang="ko-KR"/>
+          </a:p>
+          <a:p>
+            <a:pPr lvl="1"/>
+            <a:r>
+              <a:rPr lang="ko-KR" altLang="en-US"/>
+              <a:t>세션에서 객체를 꺼내옴</a:t>
+            </a:r>
+            <a:endParaRPr lang="en-US" altLang="ko-KR"/>
+          </a:p>
+          <a:p>
+            <a:pPr lvl="2"/>
+            <a:r>
+              <a:rPr lang="ko-KR" altLang="en-US"/>
+              <a:t>보관 </a:t>
+            </a:r>
+            <a:r>
+              <a:rPr lang="en-US" altLang="ko-KR"/>
+              <a:t>-&gt; </a:t>
+            </a:r>
+            <a:r>
+              <a:rPr lang="ko-KR" altLang="en-US"/>
+              <a:t>전송 </a:t>
+            </a:r>
+            <a:r>
+              <a:rPr lang="en-US" altLang="ko-KR"/>
+              <a:t>-&gt; </a:t>
+            </a:r>
+            <a:r>
+              <a:rPr lang="ko-KR" altLang="en-US"/>
+              <a:t>역직렬화 </a:t>
+            </a:r>
+            <a:r>
+              <a:rPr lang="en-US" altLang="ko-KR"/>
+              <a:t>-&gt; </a:t>
+            </a:r>
+            <a:r>
+              <a:rPr lang="ko-KR" altLang="en-US"/>
+              <a:t>객체</a:t>
+            </a:r>
+            <a:endParaRPr lang="en-US" altLang="ko-KR">
+              <a:solidFill>
+                <a:srgbClr val="FF0000"/>
+              </a:solidFill>
+            </a:endParaRPr>
+          </a:p>
+        </p:txBody>
+      </p:sp>
+      <p:pic>
+        <p:nvPicPr>
+          <p:cNvPr id="12" name="그림 11">
+            <a:extLst>
+              <a:ext uri="{FF2B5EF4-FFF2-40B4-BE49-F238E27FC236}">
+                <a16:creationId xmlns:a16="http://schemas.microsoft.com/office/drawing/2014/main" id="{2B03F660-D979-4DE4-8DE0-03D26C689A21}"/>
+              </a:ext>
+            </a:extLst>
+          </p:cNvPr>
+          <p:cNvPicPr>
+            <a:picLocks noChangeAspect="1"/>
+          </p:cNvPicPr>
+          <p:nvPr/>
+        </p:nvPicPr>
+        <p:blipFill>
+          <a:blip r:embed="rId2"/>
+          <a:stretch>
+            <a:fillRect/>
+          </a:stretch>
+        </p:blipFill>
+        <p:spPr>
+          <a:xfrm>
+            <a:off x="6873660" y="2471605"/>
+            <a:ext cx="5034422" cy="696587"/>
+          </a:xfrm>
+          <a:prstGeom prst="rect">
+            <a:avLst/>
+          </a:prstGeom>
+        </p:spPr>
+      </p:pic>
+      <p:pic>
+        <p:nvPicPr>
+          <p:cNvPr id="13" name="그림 12">
+            <a:extLst>
+              <a:ext uri="{FF2B5EF4-FFF2-40B4-BE49-F238E27FC236}">
+                <a16:creationId xmlns:a16="http://schemas.microsoft.com/office/drawing/2014/main" id="{88D74D84-0E0A-4733-9275-2E4E468AB828}"/>
+              </a:ext>
+            </a:extLst>
+          </p:cNvPr>
+          <p:cNvPicPr>
+            <a:picLocks noChangeAspect="1"/>
+          </p:cNvPicPr>
+          <p:nvPr/>
+        </p:nvPicPr>
+        <p:blipFill>
+          <a:blip r:embed="rId3"/>
+          <a:stretch>
+            <a:fillRect/>
+          </a:stretch>
+        </p:blipFill>
+        <p:spPr>
+          <a:xfrm>
+            <a:off x="6873660" y="3278705"/>
+            <a:ext cx="5080731" cy="448900"/>
+          </a:xfrm>
+          <a:prstGeom prst="rect">
+            <a:avLst/>
+          </a:prstGeom>
+        </p:spPr>
+      </p:pic>
+      <p:sp>
+        <p:nvSpPr>
+          <p:cNvPr id="11" name="직사각형 10">
+            <a:extLst>
+              <a:ext uri="{FF2B5EF4-FFF2-40B4-BE49-F238E27FC236}">
+                <a16:creationId xmlns:a16="http://schemas.microsoft.com/office/drawing/2014/main" id="{C2C12EFD-4846-4BB4-87CB-78D22EAC1C04}"/>
               </a:ext>
             </a:extLst>
           </p:cNvPr>
@@ -16839,7 +17264,7 @@
         </p:nvSpPr>
         <p:spPr>
           <a:xfrm>
-            <a:off x="1362827" y="2797470"/>
+            <a:off x="3672948" y="4521729"/>
             <a:ext cx="1932960" cy="631530"/>
           </a:xfrm>
           <a:prstGeom prst="rect">
@@ -16868,26 +17293,19 @@
           <a:p>
             <a:pPr algn="ctr"/>
             <a:r>
-              <a:rPr lang="ko-KR" altLang="en-US" dirty="0"/>
-              <a:t>쿠키</a:t>
+              <a:rPr lang="en-US" altLang="ko-KR"/>
+              <a:t>WAS1</a:t>
             </a:r>
             <a:endParaRPr lang="en-US" altLang="ko-KR" dirty="0"/>
-          </a:p>
-          <a:p>
-            <a:pPr algn="ctr"/>
-            <a:r>
-              <a:rPr lang="en-US" altLang="ko-KR" dirty="0"/>
-              <a:t>JSESSIONID</a:t>
-            </a:r>
           </a:p>
         </p:txBody>
       </p:sp>
       <p:sp>
         <p:nvSpPr>
-          <p:cNvPr id="8" name="직사각형 7">
+          <p:cNvPr id="14" name="직사각형 13">
             <a:extLst>
               <a:ext uri="{FF2B5EF4-FFF2-40B4-BE49-F238E27FC236}">
-                <a16:creationId xmlns:a16="http://schemas.microsoft.com/office/drawing/2014/main" id="{9AB3E3A2-544E-4B99-96F1-AD14B5091561}"/>
+                <a16:creationId xmlns:a16="http://schemas.microsoft.com/office/drawing/2014/main" id="{4A4B279C-FEC4-4640-B61E-E061A400FEB1}"/>
               </a:ext>
             </a:extLst>
           </p:cNvPr>
@@ -16896,7 +17314,7 @@
         </p:nvSpPr>
         <p:spPr>
           <a:xfrm>
-            <a:off x="2329307" y="3657632"/>
+            <a:off x="3672948" y="5320740"/>
             <a:ext cx="1932960" cy="631530"/>
           </a:xfrm>
           <a:prstGeom prst="rect">
@@ -16925,8 +17343,8 @@
           <a:p>
             <a:pPr algn="ctr"/>
             <a:r>
-              <a:rPr lang="en-US" altLang="ko-KR" dirty="0" err="1"/>
-              <a:t>SessionB</a:t>
+              <a:rPr lang="en-US" altLang="ko-KR"/>
+              <a:t>WAS2</a:t>
             </a:r>
             <a:endParaRPr lang="en-US" altLang="ko-KR" dirty="0"/>
           </a:p>
@@ -16934,10 +17352,10 @@
       </p:sp>
       <p:sp>
         <p:nvSpPr>
-          <p:cNvPr id="9" name="직사각형 8">
+          <p:cNvPr id="15" name="직사각형 14">
             <a:extLst>
               <a:ext uri="{FF2B5EF4-FFF2-40B4-BE49-F238E27FC236}">
-                <a16:creationId xmlns:a16="http://schemas.microsoft.com/office/drawing/2014/main" id="{E3163552-74DE-4220-ADFD-9403D4A4FB43}"/>
+                <a16:creationId xmlns:a16="http://schemas.microsoft.com/office/drawing/2014/main" id="{54977B96-E4AD-42E7-81B1-6B4F9B96A73A}"/>
               </a:ext>
             </a:extLst>
           </p:cNvPr>
@@ -16946,7 +17364,7 @@
         </p:nvSpPr>
         <p:spPr>
           <a:xfrm>
-            <a:off x="3295787" y="4468432"/>
+            <a:off x="6637894" y="4900817"/>
             <a:ext cx="1932960" cy="631530"/>
           </a:xfrm>
           <a:prstGeom prst="rect">
@@ -16975,34 +17393,19 @@
           <a:p>
             <a:pPr algn="ctr"/>
             <a:r>
-              <a:rPr lang="ko-KR" altLang="en-US" dirty="0"/>
-              <a:t>페이지</a:t>
+              <a:rPr lang="ko-KR" altLang="en-US"/>
+              <a:t>클러스터서버</a:t>
             </a:r>
             <a:endParaRPr lang="en-US" altLang="ko-KR" dirty="0"/>
-          </a:p>
-          <a:p>
-            <a:pPr algn="ctr"/>
-            <a:r>
-              <a:rPr lang="en-US" altLang="ko-KR" dirty="0"/>
-              <a:t>(</a:t>
-            </a:r>
-            <a:r>
-              <a:rPr lang="ko-KR" altLang="en-US" dirty="0"/>
-              <a:t>주기억장치</a:t>
-            </a:r>
-            <a:r>
-              <a:rPr lang="en-US" altLang="ko-KR" dirty="0"/>
-              <a:t>)</a:t>
-            </a:r>
           </a:p>
         </p:txBody>
       </p:sp>
       <p:sp>
         <p:nvSpPr>
-          <p:cNvPr id="10" name="직사각형 9">
+          <p:cNvPr id="16" name="직사각형 15">
             <a:extLst>
               <a:ext uri="{FF2B5EF4-FFF2-40B4-BE49-F238E27FC236}">
-                <a16:creationId xmlns:a16="http://schemas.microsoft.com/office/drawing/2014/main" id="{3FA041B3-0E2C-42E7-BB28-1CF4F7AEDB31}"/>
+                <a16:creationId xmlns:a16="http://schemas.microsoft.com/office/drawing/2014/main" id="{C12B972B-DEB3-43B9-82F7-38D7D65C07D0}"/>
               </a:ext>
             </a:extLst>
           </p:cNvPr>
@@ -17011,7 +17414,7 @@
         </p:nvSpPr>
         <p:spPr>
           <a:xfrm>
-            <a:off x="4262267" y="5292413"/>
+            <a:off x="708002" y="4991869"/>
             <a:ext cx="1932960" cy="631530"/>
           </a:xfrm>
           <a:prstGeom prst="rect">
@@ -17040,88 +17443,13 @@
           <a:p>
             <a:pPr algn="ctr"/>
             <a:r>
-              <a:rPr lang="ko-KR" altLang="en-US" dirty="0"/>
-              <a:t>스토리지</a:t>
+              <a:rPr lang="ko-KR" altLang="en-US"/>
+              <a:t>브라우저</a:t>
             </a:r>
             <a:endParaRPr lang="en-US" altLang="ko-KR" dirty="0"/>
           </a:p>
-          <a:p>
-            <a:pPr algn="ctr"/>
-            <a:r>
-              <a:rPr lang="en-US" altLang="ko-KR" dirty="0"/>
-              <a:t>(</a:t>
-            </a:r>
-            <a:r>
-              <a:rPr lang="ko-KR" altLang="en-US" dirty="0"/>
-              <a:t>보조기억장치</a:t>
-            </a:r>
-            <a:r>
-              <a:rPr lang="en-US" altLang="ko-KR" dirty="0"/>
-              <a:t>)</a:t>
-            </a:r>
-          </a:p>
         </p:txBody>
       </p:sp>
-      <p:pic>
-        <p:nvPicPr>
-          <p:cNvPr id="11" name="그림 10">
-            <a:extLst>
-              <a:ext uri="{FF2B5EF4-FFF2-40B4-BE49-F238E27FC236}">
-                <a16:creationId xmlns:a16="http://schemas.microsoft.com/office/drawing/2014/main" id="{886A0DE4-8B4D-44E1-90D2-21424FCC3D16}"/>
-              </a:ext>
-            </a:extLst>
-          </p:cNvPr>
-          <p:cNvPicPr>
-            <a:picLocks noChangeAspect="1"/>
-          </p:cNvPicPr>
-          <p:nvPr/>
-        </p:nvPicPr>
-        <p:blipFill>
-          <a:blip r:embed="rId2"/>
-          <a:stretch>
-            <a:fillRect/>
-          </a:stretch>
-        </p:blipFill>
-        <p:spPr>
-          <a:xfrm>
-            <a:off x="6577631" y="3498884"/>
-            <a:ext cx="5522032" cy="633261"/>
-          </a:xfrm>
-          <a:prstGeom prst="rect">
-            <a:avLst/>
-          </a:prstGeom>
-        </p:spPr>
-      </p:pic>
-      <p:pic>
-        <p:nvPicPr>
-          <p:cNvPr id="12" name="그림 11">
-            <a:extLst>
-              <a:ext uri="{FF2B5EF4-FFF2-40B4-BE49-F238E27FC236}">
-                <a16:creationId xmlns:a16="http://schemas.microsoft.com/office/drawing/2014/main" id="{2B03F660-D979-4DE4-8DE0-03D26C689A21}"/>
-              </a:ext>
-            </a:extLst>
-          </p:cNvPr>
-          <p:cNvPicPr>
-            <a:picLocks noChangeAspect="1"/>
-          </p:cNvPicPr>
-          <p:nvPr/>
-        </p:nvPicPr>
-        <p:blipFill>
-          <a:blip r:embed="rId3"/>
-          <a:stretch>
-            <a:fillRect/>
-          </a:stretch>
-        </p:blipFill>
-        <p:spPr>
-          <a:xfrm>
-            <a:off x="6577631" y="2695271"/>
-            <a:ext cx="5034422" cy="696587"/>
-          </a:xfrm>
-          <a:prstGeom prst="rect">
-            <a:avLst/>
-          </a:prstGeom>
-        </p:spPr>
-      </p:pic>
     </p:spTree>
     <p:extLst>
       <p:ext uri="{BB962C8B-B14F-4D97-AF65-F5344CB8AC3E}">
